--- a/Presentation Figure.pptx
+++ b/Presentation Figure.pptx
@@ -1036,7 +1036,7 @@
         <a:p>
           <a:r>
             <a:rPr lang="en-US" dirty="0" smtClean="0"/>
-            <a:t>Validation</a:t>
+            <a:t>Validation: Cellular Activity</a:t>
           </a:r>
           <a:endParaRPr lang="en-US" dirty="0"/>
         </a:p>
@@ -1102,6 +1102,43 @@
         </a:p>
       </dgm:t>
     </dgm:pt>
+    <dgm:pt modelId="{CB5F2BFE-262C-B844-8241-A5AC6DC4183F}">
+      <dgm:prSet/>
+      <dgm:spPr/>
+      <dgm:t>
+        <a:bodyPr/>
+        <a:lstStyle/>
+        <a:p>
+          <a:r>
+            <a:rPr lang="en-US" dirty="0" smtClean="0"/>
+            <a:t>Pre-clinical and clinical trials</a:t>
+          </a:r>
+          <a:endParaRPr lang="en-US" dirty="0"/>
+        </a:p>
+      </dgm:t>
+    </dgm:pt>
+    <dgm:pt modelId="{E1E6833E-D505-214C-96D3-A08CA65EFB99}" type="parTrans" cxnId="{5FE20165-CD64-D741-B02B-2A424AD4D55F}">
+      <dgm:prSet/>
+      <dgm:spPr/>
+      <dgm:t>
+        <a:bodyPr/>
+        <a:lstStyle/>
+        <a:p>
+          <a:endParaRPr lang="en-US"/>
+        </a:p>
+      </dgm:t>
+    </dgm:pt>
+    <dgm:pt modelId="{87E5BA2D-DE57-3046-B499-256676C7C97C}" type="sibTrans" cxnId="{5FE20165-CD64-D741-B02B-2A424AD4D55F}">
+      <dgm:prSet/>
+      <dgm:spPr/>
+      <dgm:t>
+        <a:bodyPr/>
+        <a:lstStyle/>
+        <a:p>
+          <a:endParaRPr lang="en-US"/>
+        </a:p>
+      </dgm:t>
+    </dgm:pt>
     <dgm:pt modelId="{B7D0F4A0-758B-5544-8A4C-6049D7B0E87C}" type="pres">
       <dgm:prSet presAssocID="{DE0E98E1-28A3-0E40-B4E0-BCF65DABD956}" presName="linearFlow" presStyleCnt="0">
         <dgm:presLayoutVars>
@@ -1111,7 +1148,7 @@
       <dgm:spPr/>
     </dgm:pt>
     <dgm:pt modelId="{28E93174-362E-F34B-AFA3-EF21EB79E246}" type="pres">
-      <dgm:prSet presAssocID="{DAE5593D-2A70-6C40-AF9B-E980AB454B2A}" presName="node" presStyleLbl="node1" presStyleIdx="0" presStyleCnt="3">
+      <dgm:prSet presAssocID="{DAE5593D-2A70-6C40-AF9B-E980AB454B2A}" presName="node" presStyleLbl="node1" presStyleIdx="0" presStyleCnt="4">
         <dgm:presLayoutVars>
           <dgm:bulletEnabled val="1"/>
         </dgm:presLayoutVars>
@@ -1126,15 +1163,15 @@
       </dgm:t>
     </dgm:pt>
     <dgm:pt modelId="{896EEA27-6C8E-6445-B0A3-9968EFD27C49}" type="pres">
-      <dgm:prSet presAssocID="{B5AE198E-CC6C-3249-821A-AA9A219C7554}" presName="sibTrans" presStyleLbl="sibTrans2D1" presStyleIdx="0" presStyleCnt="2"/>
+      <dgm:prSet presAssocID="{B5AE198E-CC6C-3249-821A-AA9A219C7554}" presName="sibTrans" presStyleLbl="sibTrans2D1" presStyleIdx="0" presStyleCnt="3"/>
       <dgm:spPr/>
     </dgm:pt>
     <dgm:pt modelId="{FB5AE474-3AD6-D040-9EF4-95A07659CDC6}" type="pres">
-      <dgm:prSet presAssocID="{B5AE198E-CC6C-3249-821A-AA9A219C7554}" presName="connectorText" presStyleLbl="sibTrans2D1" presStyleIdx="0" presStyleCnt="2"/>
+      <dgm:prSet presAssocID="{B5AE198E-CC6C-3249-821A-AA9A219C7554}" presName="connectorText" presStyleLbl="sibTrans2D1" presStyleIdx="0" presStyleCnt="3"/>
       <dgm:spPr/>
     </dgm:pt>
     <dgm:pt modelId="{DA12FFD3-5CF2-E744-98CE-59C9BB5A15E8}" type="pres">
-      <dgm:prSet presAssocID="{345D68D2-4D2A-A743-A9AC-BB17D842D6D6}" presName="node" presStyleLbl="node1" presStyleIdx="1" presStyleCnt="3">
+      <dgm:prSet presAssocID="{345D68D2-4D2A-A743-A9AC-BB17D842D6D6}" presName="node" presStyleLbl="node1" presStyleIdx="1" presStyleCnt="4">
         <dgm:presLayoutVars>
           <dgm:bulletEnabled val="1"/>
         </dgm:presLayoutVars>
@@ -1149,15 +1186,31 @@
       </dgm:t>
     </dgm:pt>
     <dgm:pt modelId="{8777F444-F52B-1842-B05A-D3BCAB9C77A9}" type="pres">
-      <dgm:prSet presAssocID="{E73E9736-01BE-0549-9506-2E3C126254A5}" presName="sibTrans" presStyleLbl="sibTrans2D1" presStyleIdx="1" presStyleCnt="2"/>
+      <dgm:prSet presAssocID="{E73E9736-01BE-0549-9506-2E3C126254A5}" presName="sibTrans" presStyleLbl="sibTrans2D1" presStyleIdx="1" presStyleCnt="3"/>
       <dgm:spPr/>
     </dgm:pt>
     <dgm:pt modelId="{FEE1F45F-6A71-994A-A3AD-8872EC8B78F3}" type="pres">
-      <dgm:prSet presAssocID="{E73E9736-01BE-0549-9506-2E3C126254A5}" presName="connectorText" presStyleLbl="sibTrans2D1" presStyleIdx="1" presStyleCnt="2"/>
+      <dgm:prSet presAssocID="{E73E9736-01BE-0549-9506-2E3C126254A5}" presName="connectorText" presStyleLbl="sibTrans2D1" presStyleIdx="1" presStyleCnt="3"/>
       <dgm:spPr/>
     </dgm:pt>
     <dgm:pt modelId="{1215AE1C-49B8-504F-8CCF-FABB3E510480}" type="pres">
-      <dgm:prSet presAssocID="{0235794B-D20C-4F4D-9B00-E09A2BA04B52}" presName="node" presStyleLbl="node1" presStyleIdx="2" presStyleCnt="3">
+      <dgm:prSet presAssocID="{0235794B-D20C-4F4D-9B00-E09A2BA04B52}" presName="node" presStyleLbl="node1" presStyleIdx="2" presStyleCnt="4">
+        <dgm:presLayoutVars>
+          <dgm:bulletEnabled val="1"/>
+        </dgm:presLayoutVars>
+      </dgm:prSet>
+      <dgm:spPr/>
+    </dgm:pt>
+    <dgm:pt modelId="{8E36ACAD-9AB3-B045-885B-4C812574D5AD}" type="pres">
+      <dgm:prSet presAssocID="{965A8ADC-55E7-E441-96EC-ABDF041BE815}" presName="sibTrans" presStyleLbl="sibTrans2D1" presStyleIdx="2" presStyleCnt="3"/>
+      <dgm:spPr/>
+    </dgm:pt>
+    <dgm:pt modelId="{BCE9CD9A-83E9-C849-A6EE-EF528F41B451}" type="pres">
+      <dgm:prSet presAssocID="{965A8ADC-55E7-E441-96EC-ABDF041BE815}" presName="connectorText" presStyleLbl="sibTrans2D1" presStyleIdx="2" presStyleCnt="3"/>
+      <dgm:spPr/>
+    </dgm:pt>
+    <dgm:pt modelId="{8629283E-1D26-5C48-AAF6-A60DD7876AEF}" type="pres">
+      <dgm:prSet presAssocID="{CB5F2BFE-262C-B844-8241-A5AC6DC4183F}" presName="node" presStyleLbl="node1" presStyleIdx="3" presStyleCnt="4">
         <dgm:presLayoutVars>
           <dgm:bulletEnabled val="1"/>
         </dgm:presLayoutVars>
@@ -1171,12 +1224,16 @@
     <dgm:cxn modelId="{B9D2F692-9611-4847-8114-B87CF0164293}" type="presOf" srcId="{B5AE198E-CC6C-3249-821A-AA9A219C7554}" destId="{896EEA27-6C8E-6445-B0A3-9968EFD27C49}" srcOrd="0" destOrd="0" presId="urn:microsoft.com/office/officeart/2005/8/layout/process2"/>
     <dgm:cxn modelId="{E6212DD3-F3EE-3B4F-B83C-5C57498C07FC}" srcId="{DE0E98E1-28A3-0E40-B4E0-BCF65DABD956}" destId="{345D68D2-4D2A-A743-A9AC-BB17D842D6D6}" srcOrd="1" destOrd="0" parTransId="{AD9B923D-DF35-CB4E-A26E-2E518BC3EBD6}" sibTransId="{E73E9736-01BE-0549-9506-2E3C126254A5}"/>
     <dgm:cxn modelId="{7C01458F-333E-A54D-8596-3E74AD269CB9}" type="presOf" srcId="{0235794B-D20C-4F4D-9B00-E09A2BA04B52}" destId="{1215AE1C-49B8-504F-8CCF-FABB3E510480}" srcOrd="0" destOrd="0" presId="urn:microsoft.com/office/officeart/2005/8/layout/process2"/>
+    <dgm:cxn modelId="{B5D261A6-3128-BF49-91AC-8DEFFF9F9481}" type="presOf" srcId="{965A8ADC-55E7-E441-96EC-ABDF041BE815}" destId="{8E36ACAD-9AB3-B045-885B-4C812574D5AD}" srcOrd="0" destOrd="0" presId="urn:microsoft.com/office/officeart/2005/8/layout/process2"/>
+    <dgm:cxn modelId="{D65DBDE0-80FA-D844-B70C-29C74CF9D78B}" type="presOf" srcId="{E73E9736-01BE-0549-9506-2E3C126254A5}" destId="{8777F444-F52B-1842-B05A-D3BCAB9C77A9}" srcOrd="0" destOrd="0" presId="urn:microsoft.com/office/officeart/2005/8/layout/process2"/>
     <dgm:cxn modelId="{7749DE28-3DC9-8644-A105-4E6C2EA60891}" srcId="{DE0E98E1-28A3-0E40-B4E0-BCF65DABD956}" destId="{0235794B-D20C-4F4D-9B00-E09A2BA04B52}" srcOrd="2" destOrd="0" parTransId="{7F582DF3-0F96-DE4D-98D6-6F59C13DA7BE}" sibTransId="{965A8ADC-55E7-E441-96EC-ABDF041BE815}"/>
-    <dgm:cxn modelId="{D65DBDE0-80FA-D844-B70C-29C74CF9D78B}" type="presOf" srcId="{E73E9736-01BE-0549-9506-2E3C126254A5}" destId="{8777F444-F52B-1842-B05A-D3BCAB9C77A9}" srcOrd="0" destOrd="0" presId="urn:microsoft.com/office/officeart/2005/8/layout/process2"/>
+    <dgm:cxn modelId="{EBDBAB1B-3F2A-5C44-BA1F-CA6DAC7D8D50}" type="presOf" srcId="{CB5F2BFE-262C-B844-8241-A5AC6DC4183F}" destId="{8629283E-1D26-5C48-AAF6-A60DD7876AEF}" srcOrd="0" destOrd="0" presId="urn:microsoft.com/office/officeart/2005/8/layout/process2"/>
     <dgm:cxn modelId="{7F3510D1-C74D-5544-BBBB-73722903D7AB}" srcId="{DE0E98E1-28A3-0E40-B4E0-BCF65DABD956}" destId="{DAE5593D-2A70-6C40-AF9B-E980AB454B2A}" srcOrd="0" destOrd="0" parTransId="{4BF11FEE-5020-604B-8E9E-45893E06E959}" sibTransId="{B5AE198E-CC6C-3249-821A-AA9A219C7554}"/>
     <dgm:cxn modelId="{14EE1C93-2E4A-4548-AAB3-EF0B26115846}" type="presOf" srcId="{DAE5593D-2A70-6C40-AF9B-E980AB454B2A}" destId="{28E93174-362E-F34B-AFA3-EF21EB79E246}" srcOrd="0" destOrd="0" presId="urn:microsoft.com/office/officeart/2005/8/layout/process2"/>
     <dgm:cxn modelId="{2490FFA4-ACF0-344F-BB93-AEAC1B5639D5}" type="presOf" srcId="{DE0E98E1-28A3-0E40-B4E0-BCF65DABD956}" destId="{B7D0F4A0-758B-5544-8A4C-6049D7B0E87C}" srcOrd="0" destOrd="0" presId="urn:microsoft.com/office/officeart/2005/8/layout/process2"/>
+    <dgm:cxn modelId="{5FE20165-CD64-D741-B02B-2A424AD4D55F}" srcId="{DE0E98E1-28A3-0E40-B4E0-BCF65DABD956}" destId="{CB5F2BFE-262C-B844-8241-A5AC6DC4183F}" srcOrd="3" destOrd="0" parTransId="{E1E6833E-D505-214C-96D3-A08CA65EFB99}" sibTransId="{87E5BA2D-DE57-3046-B499-256676C7C97C}"/>
     <dgm:cxn modelId="{E187274F-076A-CA4E-B1F4-29BF36BEAB19}" type="presOf" srcId="{345D68D2-4D2A-A743-A9AC-BB17D842D6D6}" destId="{DA12FFD3-5CF2-E744-98CE-59C9BB5A15E8}" srcOrd="0" destOrd="0" presId="urn:microsoft.com/office/officeart/2005/8/layout/process2"/>
+    <dgm:cxn modelId="{599B1E90-6A55-0D45-8263-2DD1A358FA92}" type="presOf" srcId="{965A8ADC-55E7-E441-96EC-ABDF041BE815}" destId="{BCE9CD9A-83E9-C849-A6EE-EF528F41B451}" srcOrd="1" destOrd="0" presId="urn:microsoft.com/office/officeart/2005/8/layout/process2"/>
     <dgm:cxn modelId="{8584F804-0BF3-6442-B807-425FB643F8EF}" type="presParOf" srcId="{B7D0F4A0-758B-5544-8A4C-6049D7B0E87C}" destId="{28E93174-362E-F34B-AFA3-EF21EB79E246}" srcOrd="0" destOrd="0" presId="urn:microsoft.com/office/officeart/2005/8/layout/process2"/>
     <dgm:cxn modelId="{E6CB641C-807A-3546-ABD8-D590314FD817}" type="presParOf" srcId="{B7D0F4A0-758B-5544-8A4C-6049D7B0E87C}" destId="{896EEA27-6C8E-6445-B0A3-9968EFD27C49}" srcOrd="1" destOrd="0" presId="urn:microsoft.com/office/officeart/2005/8/layout/process2"/>
     <dgm:cxn modelId="{BEB0AA21-2936-D842-A57F-A7B7BC42393F}" type="presParOf" srcId="{896EEA27-6C8E-6445-B0A3-9968EFD27C49}" destId="{FB5AE474-3AD6-D040-9EF4-95A07659CDC6}" srcOrd="0" destOrd="0" presId="urn:microsoft.com/office/officeart/2005/8/layout/process2"/>
@@ -1184,6 +1241,9 @@
     <dgm:cxn modelId="{5906B885-1D54-6446-8B0B-E0BD2B031E6A}" type="presParOf" srcId="{B7D0F4A0-758B-5544-8A4C-6049D7B0E87C}" destId="{8777F444-F52B-1842-B05A-D3BCAB9C77A9}" srcOrd="3" destOrd="0" presId="urn:microsoft.com/office/officeart/2005/8/layout/process2"/>
     <dgm:cxn modelId="{95369055-B471-F442-A37C-5EC58C60CE59}" type="presParOf" srcId="{8777F444-F52B-1842-B05A-D3BCAB9C77A9}" destId="{FEE1F45F-6A71-994A-A3AD-8872EC8B78F3}" srcOrd="0" destOrd="0" presId="urn:microsoft.com/office/officeart/2005/8/layout/process2"/>
     <dgm:cxn modelId="{6EB26FEF-8AF5-2540-85DF-CCE79C639FF4}" type="presParOf" srcId="{B7D0F4A0-758B-5544-8A4C-6049D7B0E87C}" destId="{1215AE1C-49B8-504F-8CCF-FABB3E510480}" srcOrd="4" destOrd="0" presId="urn:microsoft.com/office/officeart/2005/8/layout/process2"/>
+    <dgm:cxn modelId="{03106853-86A0-0345-86EA-DDCD6D0014AE}" type="presParOf" srcId="{B7D0F4A0-758B-5544-8A4C-6049D7B0E87C}" destId="{8E36ACAD-9AB3-B045-885B-4C812574D5AD}" srcOrd="5" destOrd="0" presId="urn:microsoft.com/office/officeart/2005/8/layout/process2"/>
+    <dgm:cxn modelId="{E17E5111-5F51-9740-A1F5-99509D033D0C}" type="presParOf" srcId="{8E36ACAD-9AB3-B045-885B-4C812574D5AD}" destId="{BCE9CD9A-83E9-C849-A6EE-EF528F41B451}" srcOrd="0" destOrd="0" presId="urn:microsoft.com/office/officeart/2005/8/layout/process2"/>
+    <dgm:cxn modelId="{ECEAAD1E-07DA-AC4A-861A-C36FCE5D3C91}" type="presParOf" srcId="{B7D0F4A0-758B-5544-8A4C-6049D7B0E87C}" destId="{8629283E-1D26-5C48-AAF6-A60DD7876AEF}" srcOrd="6" destOrd="0" presId="urn:microsoft.com/office/officeart/2005/8/layout/process2"/>
   </dgm:cxnLst>
   <dgm:bg/>
   <dgm:whole/>
@@ -1210,8 +1270,8 @@
       </dsp:nvSpPr>
       <dsp:spPr>
         <a:xfrm>
-          <a:off x="2844799" y="0"/>
-          <a:ext cx="2438400" cy="1354666"/>
+          <a:off x="832589" y="3684"/>
+          <a:ext cx="2467462" cy="1370812"/>
         </a:xfrm>
         <a:prstGeom prst="roundRect">
           <a:avLst>
@@ -1279,12 +1339,12 @@
         </a:fontRef>
       </dsp:style>
       <dsp:txBody>
-        <a:bodyPr spcFirstLastPara="0" vert="horz" wrap="square" lIns="95250" tIns="95250" rIns="95250" bIns="95250" numCol="1" spcCol="1270" anchor="ctr" anchorCtr="0">
+        <a:bodyPr spcFirstLastPara="0" vert="horz" wrap="square" lIns="99060" tIns="99060" rIns="99060" bIns="99060" numCol="1" spcCol="1270" anchor="ctr" anchorCtr="0">
           <a:noAutofit/>
         </a:bodyPr>
         <a:lstStyle/>
         <a:p>
-          <a:pPr lvl="0" algn="ctr" defTabSz="1111250">
+          <a:pPr lvl="0" algn="ctr" defTabSz="1155700">
             <a:lnSpc>
               <a:spcPct val="90000"/>
             </a:lnSpc>
@@ -1296,15 +1356,15 @@
             </a:spcAft>
           </a:pPr>
           <a:r>
-            <a:rPr lang="en-US" sz="2500" kern="1200" dirty="0" smtClean="0"/>
+            <a:rPr lang="en-US" sz="2600" kern="1200" dirty="0" smtClean="0"/>
             <a:t>High-throughput screen</a:t>
           </a:r>
-          <a:endParaRPr lang="en-US" sz="2500" kern="1200" dirty="0"/>
+          <a:endParaRPr lang="en-US" sz="2600" kern="1200" dirty="0"/>
         </a:p>
       </dsp:txBody>
       <dsp:txXfrm>
-        <a:off x="2884476" y="39677"/>
-        <a:ext cx="2359046" cy="1275312"/>
+        <a:off x="872739" y="43834"/>
+        <a:ext cx="2387162" cy="1290512"/>
       </dsp:txXfrm>
     </dsp:sp>
     <dsp:sp modelId="{896EEA27-6C8E-6445-B0A3-9968EFD27C49}">
@@ -1314,8 +1374,8 @@
       </dsp:nvSpPr>
       <dsp:spPr>
         <a:xfrm rot="5400000">
-          <a:off x="3809999" y="1388533"/>
-          <a:ext cx="508000" cy="609600"/>
+          <a:off x="1809293" y="1408768"/>
+          <a:ext cx="514054" cy="616865"/>
         </a:xfrm>
         <a:prstGeom prst="rightArrow">
           <a:avLst>
@@ -1389,7 +1449,7 @@
         </a:bodyPr>
         <a:lstStyle/>
         <a:p>
-          <a:pPr lvl="0" algn="ctr" defTabSz="889000">
+          <a:pPr lvl="0" algn="ctr" defTabSz="933450">
             <a:lnSpc>
               <a:spcPct val="90000"/>
             </a:lnSpc>
@@ -1400,12 +1460,12 @@
               <a:spcPct val="35000"/>
             </a:spcAft>
           </a:pPr>
-          <a:endParaRPr lang="en-US" sz="2000" kern="1200"/>
+          <a:endParaRPr lang="en-US" sz="2100" kern="1200"/>
         </a:p>
       </dsp:txBody>
       <dsp:txXfrm rot="-5400000">
-        <a:off x="3881119" y="1439333"/>
-        <a:ext cx="365760" cy="355600"/>
+        <a:off x="1881261" y="1460173"/>
+        <a:ext cx="370119" cy="359838"/>
       </dsp:txXfrm>
     </dsp:sp>
     <dsp:sp modelId="{DA12FFD3-5CF2-E744-98CE-59C9BB5A15E8}">
@@ -1415,8 +1475,8 @@
       </dsp:nvSpPr>
       <dsp:spPr>
         <a:xfrm>
-          <a:off x="2844799" y="2032000"/>
-          <a:ext cx="2438400" cy="1354666"/>
+          <a:off x="832589" y="2059904"/>
+          <a:ext cx="2467462" cy="1370812"/>
         </a:xfrm>
         <a:prstGeom prst="roundRect">
           <a:avLst>
@@ -1428,9 +1488,9 @@
             <a:gs pos="0">
               <a:schemeClr val="accent6">
                 <a:shade val="80000"/>
-                <a:hueOff val="160640"/>
-                <a:satOff val="-6455"/>
-                <a:lumOff val="13814"/>
+                <a:hueOff val="107093"/>
+                <a:satOff val="-4303"/>
+                <a:lumOff val="9209"/>
                 <a:alphaOff val="0"/>
                 <a:satMod val="103000"/>
                 <a:lumMod val="102000"/>
@@ -1440,9 +1500,9 @@
             <a:gs pos="50000">
               <a:schemeClr val="accent6">
                 <a:shade val="80000"/>
-                <a:hueOff val="160640"/>
-                <a:satOff val="-6455"/>
-                <a:lumOff val="13814"/>
+                <a:hueOff val="107093"/>
+                <a:satOff val="-4303"/>
+                <a:lumOff val="9209"/>
                 <a:alphaOff val="0"/>
                 <a:satMod val="110000"/>
                 <a:lumMod val="100000"/>
@@ -1452,9 +1512,9 @@
             <a:gs pos="100000">
               <a:schemeClr val="accent6">
                 <a:shade val="80000"/>
-                <a:hueOff val="160640"/>
-                <a:satOff val="-6455"/>
-                <a:lumOff val="13814"/>
+                <a:hueOff val="107093"/>
+                <a:satOff val="-4303"/>
+                <a:lumOff val="9209"/>
                 <a:alphaOff val="0"/>
                 <a:lumMod val="99000"/>
                 <a:satMod val="120000"/>
@@ -1484,12 +1544,12 @@
         </a:fontRef>
       </dsp:style>
       <dsp:txBody>
-        <a:bodyPr spcFirstLastPara="0" vert="horz" wrap="square" lIns="95250" tIns="95250" rIns="95250" bIns="95250" numCol="1" spcCol="1270" anchor="ctr" anchorCtr="0">
+        <a:bodyPr spcFirstLastPara="0" vert="horz" wrap="square" lIns="99060" tIns="99060" rIns="99060" bIns="99060" numCol="1" spcCol="1270" anchor="ctr" anchorCtr="0">
           <a:noAutofit/>
         </a:bodyPr>
         <a:lstStyle/>
         <a:p>
-          <a:pPr lvl="0" algn="ctr" defTabSz="1111250">
+          <a:pPr lvl="0" algn="ctr" defTabSz="1155700">
             <a:lnSpc>
               <a:spcPct val="90000"/>
             </a:lnSpc>
@@ -1501,15 +1561,15 @@
             </a:spcAft>
           </a:pPr>
           <a:r>
-            <a:rPr lang="en-US" sz="2500" kern="1200" dirty="0" smtClean="0"/>
-            <a:t>Validation</a:t>
+            <a:rPr lang="en-US" sz="2600" kern="1200" dirty="0" smtClean="0"/>
+            <a:t>Validation: Cellular Activity</a:t>
           </a:r>
-          <a:endParaRPr lang="en-US" sz="2500" kern="1200" dirty="0"/>
+          <a:endParaRPr lang="en-US" sz="2600" kern="1200" dirty="0"/>
         </a:p>
       </dsp:txBody>
       <dsp:txXfrm>
-        <a:off x="2884476" y="2071677"/>
-        <a:ext cx="2359046" cy="1275312"/>
+        <a:off x="872739" y="2100054"/>
+        <a:ext cx="2387162" cy="1290512"/>
       </dsp:txXfrm>
     </dsp:sp>
     <dsp:sp modelId="{8777F444-F52B-1842-B05A-D3BCAB9C77A9}">
@@ -1519,8 +1579,213 @@
       </dsp:nvSpPr>
       <dsp:spPr>
         <a:xfrm rot="5400000">
-          <a:off x="3809999" y="3420533"/>
-          <a:ext cx="508000" cy="609600"/>
+          <a:off x="1809293" y="3464987"/>
+          <a:ext cx="514054" cy="616865"/>
+        </a:xfrm>
+        <a:prstGeom prst="rightArrow">
+          <a:avLst>
+            <a:gd name="adj1" fmla="val 60000"/>
+            <a:gd name="adj2" fmla="val 50000"/>
+          </a:avLst>
+        </a:prstGeom>
+        <a:gradFill rotWithShape="0">
+          <a:gsLst>
+            <a:gs pos="0">
+              <a:schemeClr val="accent6">
+                <a:shade val="90000"/>
+                <a:hueOff val="160695"/>
+                <a:satOff val="-6326"/>
+                <a:lumOff val="12592"/>
+                <a:alphaOff val="0"/>
+                <a:satMod val="103000"/>
+                <a:lumMod val="102000"/>
+                <a:tint val="94000"/>
+              </a:schemeClr>
+            </a:gs>
+            <a:gs pos="50000">
+              <a:schemeClr val="accent6">
+                <a:shade val="90000"/>
+                <a:hueOff val="160695"/>
+                <a:satOff val="-6326"/>
+                <a:lumOff val="12592"/>
+                <a:alphaOff val="0"/>
+                <a:satMod val="110000"/>
+                <a:lumMod val="100000"/>
+                <a:shade val="100000"/>
+              </a:schemeClr>
+            </a:gs>
+            <a:gs pos="100000">
+              <a:schemeClr val="accent6">
+                <a:shade val="90000"/>
+                <a:hueOff val="160695"/>
+                <a:satOff val="-6326"/>
+                <a:lumOff val="12592"/>
+                <a:alphaOff val="0"/>
+                <a:lumMod val="99000"/>
+                <a:satMod val="120000"/>
+                <a:shade val="78000"/>
+              </a:schemeClr>
+            </a:gs>
+          </a:gsLst>
+          <a:lin ang="5400000" scaled="0"/>
+        </a:gradFill>
+        <a:ln>
+          <a:noFill/>
+        </a:ln>
+        <a:effectLst/>
+      </dsp:spPr>
+      <dsp:style>
+        <a:lnRef idx="0">
+          <a:scrgbClr r="0" g="0" b="0"/>
+        </a:lnRef>
+        <a:fillRef idx="3">
+          <a:scrgbClr r="0" g="0" b="0"/>
+        </a:fillRef>
+        <a:effectRef idx="2">
+          <a:scrgbClr r="0" g="0" b="0"/>
+        </a:effectRef>
+        <a:fontRef idx="minor">
+          <a:schemeClr val="lt1"/>
+        </a:fontRef>
+      </dsp:style>
+      <dsp:txBody>
+        <a:bodyPr spcFirstLastPara="0" vert="horz" wrap="square" lIns="0" tIns="0" rIns="0" bIns="0" numCol="1" spcCol="1270" anchor="ctr" anchorCtr="0">
+          <a:noAutofit/>
+        </a:bodyPr>
+        <a:lstStyle/>
+        <a:p>
+          <a:pPr lvl="0" algn="ctr" defTabSz="933450">
+            <a:lnSpc>
+              <a:spcPct val="90000"/>
+            </a:lnSpc>
+            <a:spcBef>
+              <a:spcPct val="0"/>
+            </a:spcBef>
+            <a:spcAft>
+              <a:spcPct val="35000"/>
+            </a:spcAft>
+          </a:pPr>
+          <a:endParaRPr lang="en-US" sz="2100" kern="1200"/>
+        </a:p>
+      </dsp:txBody>
+      <dsp:txXfrm rot="-5400000">
+        <a:off x="1881261" y="3516392"/>
+        <a:ext cx="370119" cy="359838"/>
+      </dsp:txXfrm>
+    </dsp:sp>
+    <dsp:sp modelId="{1215AE1C-49B8-504F-8CCF-FABB3E510480}">
+      <dsp:nvSpPr>
+        <dsp:cNvPr id="0" name=""/>
+        <dsp:cNvSpPr/>
+      </dsp:nvSpPr>
+      <dsp:spPr>
+        <a:xfrm>
+          <a:off x="832589" y="4116123"/>
+          <a:ext cx="2467462" cy="1370812"/>
+        </a:xfrm>
+        <a:prstGeom prst="roundRect">
+          <a:avLst>
+            <a:gd name="adj" fmla="val 10000"/>
+          </a:avLst>
+        </a:prstGeom>
+        <a:gradFill rotWithShape="0">
+          <a:gsLst>
+            <a:gs pos="0">
+              <a:schemeClr val="accent6">
+                <a:shade val="80000"/>
+                <a:hueOff val="214186"/>
+                <a:satOff val="-8606"/>
+                <a:lumOff val="18419"/>
+                <a:alphaOff val="0"/>
+                <a:satMod val="103000"/>
+                <a:lumMod val="102000"/>
+                <a:tint val="94000"/>
+              </a:schemeClr>
+            </a:gs>
+            <a:gs pos="50000">
+              <a:schemeClr val="accent6">
+                <a:shade val="80000"/>
+                <a:hueOff val="214186"/>
+                <a:satOff val="-8606"/>
+                <a:lumOff val="18419"/>
+                <a:alphaOff val="0"/>
+                <a:satMod val="110000"/>
+                <a:lumMod val="100000"/>
+                <a:shade val="100000"/>
+              </a:schemeClr>
+            </a:gs>
+            <a:gs pos="100000">
+              <a:schemeClr val="accent6">
+                <a:shade val="80000"/>
+                <a:hueOff val="214186"/>
+                <a:satOff val="-8606"/>
+                <a:lumOff val="18419"/>
+                <a:alphaOff val="0"/>
+                <a:lumMod val="99000"/>
+                <a:satMod val="120000"/>
+                <a:shade val="78000"/>
+              </a:schemeClr>
+            </a:gs>
+          </a:gsLst>
+          <a:lin ang="5400000" scaled="0"/>
+        </a:gradFill>
+        <a:ln>
+          <a:noFill/>
+        </a:ln>
+        <a:effectLst/>
+      </dsp:spPr>
+      <dsp:style>
+        <a:lnRef idx="0">
+          <a:scrgbClr r="0" g="0" b="0"/>
+        </a:lnRef>
+        <a:fillRef idx="3">
+          <a:scrgbClr r="0" g="0" b="0"/>
+        </a:fillRef>
+        <a:effectRef idx="2">
+          <a:scrgbClr r="0" g="0" b="0"/>
+        </a:effectRef>
+        <a:fontRef idx="minor">
+          <a:schemeClr val="lt1"/>
+        </a:fontRef>
+      </dsp:style>
+      <dsp:txBody>
+        <a:bodyPr spcFirstLastPara="0" vert="horz" wrap="square" lIns="99060" tIns="99060" rIns="99060" bIns="99060" numCol="1" spcCol="1270" anchor="ctr" anchorCtr="0">
+          <a:noAutofit/>
+        </a:bodyPr>
+        <a:lstStyle/>
+        <a:p>
+          <a:pPr lvl="0" algn="ctr" defTabSz="1155700">
+            <a:lnSpc>
+              <a:spcPct val="90000"/>
+            </a:lnSpc>
+            <a:spcBef>
+              <a:spcPct val="0"/>
+            </a:spcBef>
+            <a:spcAft>
+              <a:spcPct val="35000"/>
+            </a:spcAft>
+          </a:pPr>
+          <a:r>
+            <a:rPr lang="en-US" sz="2600" kern="1200" dirty="0" smtClean="0"/>
+            <a:t>Optimization: QSAR</a:t>
+          </a:r>
+          <a:endParaRPr lang="en-US" sz="2600" kern="1200" dirty="0"/>
+        </a:p>
+      </dsp:txBody>
+      <dsp:txXfrm>
+        <a:off x="872739" y="4156273"/>
+        <a:ext cx="2387162" cy="1290512"/>
+      </dsp:txXfrm>
+    </dsp:sp>
+    <dsp:sp modelId="{8E36ACAD-9AB3-B045-885B-4C812574D5AD}">
+      <dsp:nvSpPr>
+        <dsp:cNvPr id="0" name=""/>
+        <dsp:cNvSpPr/>
+      </dsp:nvSpPr>
+      <dsp:spPr>
+        <a:xfrm rot="5400000">
+          <a:off x="1809293" y="5521206"/>
+          <a:ext cx="514054" cy="616865"/>
         </a:xfrm>
         <a:prstGeom prst="rightArrow">
           <a:avLst>
@@ -1594,7 +1859,7 @@
         </a:bodyPr>
         <a:lstStyle/>
         <a:p>
-          <a:pPr lvl="0" algn="ctr" defTabSz="889000">
+          <a:pPr lvl="0" algn="ctr" defTabSz="933450" rtl="0">
             <a:lnSpc>
               <a:spcPct val="90000"/>
             </a:lnSpc>
@@ -1605,23 +1870,23 @@
               <a:spcPct val="35000"/>
             </a:spcAft>
           </a:pPr>
-          <a:endParaRPr lang="en-US" sz="2000" kern="1200"/>
+          <a:endParaRPr lang="en-US" sz="2100" kern="1200"/>
         </a:p>
       </dsp:txBody>
       <dsp:txXfrm rot="-5400000">
-        <a:off x="3881119" y="3471333"/>
-        <a:ext cx="365760" cy="355600"/>
+        <a:off x="1881261" y="5572611"/>
+        <a:ext cx="370119" cy="359838"/>
       </dsp:txXfrm>
     </dsp:sp>
-    <dsp:sp modelId="{1215AE1C-49B8-504F-8CCF-FABB3E510480}">
+    <dsp:sp modelId="{8629283E-1D26-5C48-AAF6-A60DD7876AEF}">
       <dsp:nvSpPr>
         <dsp:cNvPr id="0" name=""/>
         <dsp:cNvSpPr/>
       </dsp:nvSpPr>
       <dsp:spPr>
         <a:xfrm>
-          <a:off x="2844799" y="4064000"/>
-          <a:ext cx="2438400" cy="1354666"/>
+          <a:off x="832589" y="6172342"/>
+          <a:ext cx="2467462" cy="1370812"/>
         </a:xfrm>
         <a:prstGeom prst="roundRect">
           <a:avLst>
@@ -1689,12 +1954,12 @@
         </a:fontRef>
       </dsp:style>
       <dsp:txBody>
-        <a:bodyPr spcFirstLastPara="0" vert="horz" wrap="square" lIns="95250" tIns="95250" rIns="95250" bIns="95250" numCol="1" spcCol="1270" anchor="ctr" anchorCtr="0">
+        <a:bodyPr spcFirstLastPara="0" vert="horz" wrap="square" lIns="99060" tIns="99060" rIns="99060" bIns="99060" numCol="1" spcCol="1270" anchor="ctr" anchorCtr="0">
           <a:noAutofit/>
         </a:bodyPr>
         <a:lstStyle/>
         <a:p>
-          <a:pPr lvl="0" algn="ctr" defTabSz="1111250">
+          <a:pPr lvl="0" algn="ctr" defTabSz="1155700">
             <a:lnSpc>
               <a:spcPct val="90000"/>
             </a:lnSpc>
@@ -1706,15 +1971,15 @@
             </a:spcAft>
           </a:pPr>
           <a:r>
-            <a:rPr lang="en-US" sz="2500" kern="1200" dirty="0" smtClean="0"/>
-            <a:t>Optimization: QSAR</a:t>
+            <a:rPr lang="en-US" sz="2600" kern="1200" dirty="0" smtClean="0"/>
+            <a:t>Pre-clinical and clinical trials</a:t>
           </a:r>
-          <a:endParaRPr lang="en-US" sz="2500" kern="1200" dirty="0"/>
+          <a:endParaRPr lang="en-US" sz="2600" kern="1200" dirty="0"/>
         </a:p>
       </dsp:txBody>
       <dsp:txXfrm>
-        <a:off x="2884476" y="4103677"/>
-        <a:ext cx="2359046" cy="1275312"/>
+        <a:off x="872739" y="6212492"/>
+        <a:ext cx="2387162" cy="1290512"/>
       </dsp:txXfrm>
     </dsp:sp>
   </dsp:spTree>
@@ -5829,53 +6094,18 @@
           <a:chExt cx="0" cy="0"/>
         </a:xfrm>
       </p:grpSpPr>
-      <p:graphicFrame>
-        <p:nvGraphicFramePr>
-          <p:cNvPr id="4" name="Diagram 3"/>
-          <p:cNvGraphicFramePr/>
-          <p:nvPr>
-            <p:extLst>
-              <p:ext uri="{D42A27DB-BD31-4B8C-83A1-F6EECF244321}">
-                <p14:modId xmlns:p14="http://schemas.microsoft.com/office/powerpoint/2010/main" val="855148832"/>
-              </p:ext>
-            </p:extLst>
-          </p:nvPr>
-        </p:nvGraphicFramePr>
-        <p:xfrm>
-          <a:off x="0" y="434854"/>
-          <a:ext cx="8128000" cy="5418667"/>
-        </p:xfrm>
-        <a:graphic>
-          <a:graphicData uri="http://schemas.openxmlformats.org/drawingml/2006/diagram">
-            <dgm:relIds xmlns:dgm="http://schemas.openxmlformats.org/drawingml/2006/diagram" xmlns:r="http://schemas.openxmlformats.org/officeDocument/2006/relationships" r:dm="rId2" r:lo="rId3" r:qs="rId4" r:cs="rId5"/>
-          </a:graphicData>
-        </a:graphic>
-      </p:graphicFrame>
-      <p:pic>
-        <p:nvPicPr>
-          <p:cNvPr id="1026" name="Picture 2" descr="mage result for high throughput screening in drug discovery"/>
-          <p:cNvPicPr>
-            <a:picLocks noChangeAspect="1" noChangeArrowheads="1"/>
-          </p:cNvPicPr>
+      <p:sp>
+        <p:nvSpPr>
+          <p:cNvPr id="35" name="AutoShape 6" descr="mage result for mouse clipart"/>
+          <p:cNvSpPr>
+            <a:spLocks noChangeAspect="1" noChangeArrowheads="1"/>
+          </p:cNvSpPr>
           <p:nvPr/>
-        </p:nvPicPr>
-        <p:blipFill>
-          <a:blip r:embed="rId7">
-            <a:extLst>
-              <a:ext uri="{28A0092B-C50C-407E-A947-70E740481C1C}">
-                <a14:useLocalDpi xmlns:a14="http://schemas.microsoft.com/office/drawing/2010/main" val="0"/>
-              </a:ext>
-            </a:extLst>
-          </a:blip>
-          <a:srcRect/>
-          <a:stretch>
-            <a:fillRect/>
-          </a:stretch>
-        </p:blipFill>
+        </p:nvSpPr>
         <p:spPr bwMode="auto">
           <a:xfrm>
-            <a:off x="5508625" y="239983"/>
-            <a:ext cx="2619375" cy="1743075"/>
+            <a:off x="0" y="0"/>
+            <a:ext cx="304800" cy="304800"/>
           </a:xfrm>
           <a:prstGeom prst="rect">
             <a:avLst/>
@@ -5891,412 +6121,607 @@
             </a:ext>
           </a:extLst>
         </p:spPr>
-      </p:pic>
-      <p:pic>
-        <p:nvPicPr>
-          <p:cNvPr id="1028" name="Picture 4" descr="elated image"/>
-          <p:cNvPicPr>
-            <a:picLocks noChangeAspect="1" noChangeArrowheads="1"/>
-          </p:cNvPicPr>
+        <p:txBody>
+          <a:bodyPr vert="horz" wrap="square" lIns="91440" tIns="45720" rIns="91440" bIns="45720" numCol="1" anchor="t" anchorCtr="0" compatLnSpc="1">
+            <a:prstTxWarp prst="textNoShape">
+              <a:avLst/>
+            </a:prstTxWarp>
+          </a:bodyPr>
+          <a:lstStyle/>
+          <a:p>
+            <a:endParaRPr lang="en-US"/>
+          </a:p>
+        </p:txBody>
+      </p:sp>
+      <p:grpSp>
+        <p:nvGrpSpPr>
+          <p:cNvPr id="36" name="Group 35"/>
+          <p:cNvGrpSpPr/>
           <p:nvPr/>
-        </p:nvPicPr>
-        <p:blipFill>
-          <a:blip r:embed="rId8">
+        </p:nvGrpSpPr>
+        <p:grpSpPr>
+          <a:xfrm>
+            <a:off x="1967089" y="140321"/>
+            <a:ext cx="9194336" cy="7794014"/>
+            <a:chOff x="1967089" y="140321"/>
+            <a:chExt cx="9194336" cy="7794014"/>
+          </a:xfrm>
+        </p:grpSpPr>
+        <p:graphicFrame>
+          <p:nvGraphicFramePr>
+            <p:cNvPr id="4" name="Diagram 3"/>
+            <p:cNvGraphicFramePr/>
+            <p:nvPr>
+              <p:extLst>
+                <p:ext uri="{D42A27DB-BD31-4B8C-83A1-F6EECF244321}">
+                  <p14:modId xmlns:p14="http://schemas.microsoft.com/office/powerpoint/2010/main" val="1014930267"/>
+                </p:ext>
+              </p:extLst>
+            </p:nvPr>
+          </p:nvGraphicFramePr>
+          <p:xfrm>
+            <a:off x="1967089" y="387495"/>
+            <a:ext cx="4132642" cy="7546840"/>
+          </p:xfrm>
+          <a:graphic>
+            <a:graphicData uri="http://schemas.openxmlformats.org/drawingml/2006/diagram">
+              <dgm:relIds xmlns:dgm="http://schemas.openxmlformats.org/drawingml/2006/diagram" xmlns:r="http://schemas.openxmlformats.org/officeDocument/2006/relationships" r:dm="rId2" r:lo="rId3" r:qs="rId4" r:cs="rId5"/>
+            </a:graphicData>
+          </a:graphic>
+        </p:graphicFrame>
+        <p:pic>
+          <p:nvPicPr>
+            <p:cNvPr id="1026" name="Picture 2" descr="mage result for high throughput screening in drug discovery"/>
+            <p:cNvPicPr>
+              <a:picLocks noChangeAspect="1" noChangeArrowheads="1"/>
+            </p:cNvPicPr>
+            <p:nvPr/>
+          </p:nvPicPr>
+          <p:blipFill>
+            <a:blip r:embed="rId7">
+              <a:extLst>
+                <a:ext uri="{28A0092B-C50C-407E-A947-70E740481C1C}">
+                  <a14:useLocalDpi xmlns:a14="http://schemas.microsoft.com/office/drawing/2010/main" val="0"/>
+                </a:ext>
+              </a:extLst>
+            </a:blip>
+            <a:srcRect/>
+            <a:stretch>
+              <a:fillRect/>
+            </a:stretch>
+          </p:blipFill>
+          <p:spPr bwMode="auto">
+            <a:xfrm>
+              <a:off x="5508625" y="239983"/>
+              <a:ext cx="2619375" cy="1743075"/>
+            </a:xfrm>
+            <a:prstGeom prst="rect">
+              <a:avLst/>
+            </a:prstGeom>
+            <a:noFill/>
             <a:extLst>
-              <a:ext uri="{28A0092B-C50C-407E-A947-70E740481C1C}">
-                <a14:useLocalDpi xmlns:a14="http://schemas.microsoft.com/office/drawing/2010/main" val="0"/>
+              <a:ext uri="{909E8E84-426E-40DD-AFC4-6F175D3DCCD1}">
+                <a14:hiddenFill xmlns:a14="http://schemas.microsoft.com/office/drawing/2010/main">
+                  <a:solidFill>
+                    <a:srgbClr val="FFFFFF"/>
+                  </a:solidFill>
+                </a14:hiddenFill>
               </a:ext>
             </a:extLst>
-          </a:blip>
-          <a:srcRect/>
-          <a:stretch>
-            <a:fillRect/>
-          </a:stretch>
-        </p:blipFill>
-        <p:spPr bwMode="auto">
-          <a:xfrm>
-            <a:off x="5688206" y="2275507"/>
-            <a:ext cx="2260212" cy="1737360"/>
-          </a:xfrm>
-          <a:prstGeom prst="rect">
-            <a:avLst/>
-          </a:prstGeom>
-          <a:noFill/>
-          <a:extLst>
-            <a:ext uri="{909E8E84-426E-40DD-AFC4-6F175D3DCCD1}">
-              <a14:hiddenFill xmlns:a14="http://schemas.microsoft.com/office/drawing/2010/main">
-                <a:solidFill>
-                  <a:srgbClr val="FFFFFF"/>
-                </a:solidFill>
-              </a14:hiddenFill>
-            </a:ext>
-          </a:extLst>
-        </p:spPr>
-      </p:pic>
-      <p:pic>
-        <p:nvPicPr>
-          <p:cNvPr id="7" name="Picture 6"/>
-          <p:cNvPicPr>
-            <a:picLocks noChangeAspect="1"/>
-          </p:cNvPicPr>
-          <p:nvPr/>
-        </p:nvPicPr>
-        <p:blipFill>
-          <a:blip r:embed="rId9"/>
-          <a:stretch>
-            <a:fillRect/>
-          </a:stretch>
-        </p:blipFill>
-        <p:spPr>
-          <a:xfrm>
-            <a:off x="10045491" y="387495"/>
-            <a:ext cx="1115934" cy="749508"/>
-          </a:xfrm>
-          <a:prstGeom prst="rect">
-            <a:avLst/>
-          </a:prstGeom>
-        </p:spPr>
-      </p:pic>
-      <p:pic>
-        <p:nvPicPr>
-          <p:cNvPr id="8" name="Picture 7"/>
-          <p:cNvPicPr>
-            <a:picLocks noChangeAspect="1"/>
-          </p:cNvPicPr>
-          <p:nvPr/>
-        </p:nvPicPr>
-        <p:blipFill>
-          <a:blip r:embed="rId10"/>
-          <a:stretch>
-            <a:fillRect/>
-          </a:stretch>
-        </p:blipFill>
-        <p:spPr>
-          <a:xfrm>
-            <a:off x="8434153" y="140321"/>
-            <a:ext cx="1305185" cy="589066"/>
-          </a:xfrm>
-          <a:prstGeom prst="rect">
-            <a:avLst/>
-          </a:prstGeom>
-        </p:spPr>
-      </p:pic>
-      <p:pic>
-        <p:nvPicPr>
-          <p:cNvPr id="9" name="Picture 8"/>
-          <p:cNvPicPr>
-            <a:picLocks noChangeAspect="1"/>
-          </p:cNvPicPr>
-          <p:nvPr/>
-        </p:nvPicPr>
-        <p:blipFill>
-          <a:blip r:embed="rId11"/>
-          <a:stretch>
-            <a:fillRect/>
-          </a:stretch>
-        </p:blipFill>
-        <p:spPr>
-          <a:xfrm>
-            <a:off x="8434153" y="1137003"/>
-            <a:ext cx="1547308" cy="716509"/>
-          </a:xfrm>
-          <a:prstGeom prst="rect">
-            <a:avLst/>
-          </a:prstGeom>
-        </p:spPr>
-      </p:pic>
-      <p:cxnSp>
-        <p:nvCxnSpPr>
-          <p:cNvPr id="13" name="Straight Arrow Connector 12"/>
-          <p:cNvCxnSpPr>
-            <a:stCxn id="8" idx="1"/>
-          </p:cNvCxnSpPr>
-          <p:nvPr/>
-        </p:nvCxnSpPr>
-        <p:spPr>
-          <a:xfrm flipH="1">
-            <a:off x="7150308" y="434854"/>
-            <a:ext cx="1283845" cy="539507"/>
-          </a:xfrm>
-          <a:prstGeom prst="straightConnector1">
-            <a:avLst/>
-          </a:prstGeom>
-          <a:ln>
-            <a:solidFill>
-              <a:srgbClr val="FF40FF"/>
-            </a:solidFill>
-            <a:tailEnd type="triangle"/>
-          </a:ln>
-        </p:spPr>
-        <p:style>
-          <a:lnRef idx="1">
-            <a:schemeClr val="accent1"/>
-          </a:lnRef>
-          <a:fillRef idx="0">
-            <a:schemeClr val="accent1"/>
-          </a:fillRef>
-          <a:effectRef idx="0">
-            <a:schemeClr val="accent1"/>
-          </a:effectRef>
-          <a:fontRef idx="minor">
-            <a:schemeClr val="tx1"/>
-          </a:fontRef>
-        </p:style>
-      </p:cxnSp>
-      <p:cxnSp>
-        <p:nvCxnSpPr>
-          <p:cNvPr id="16" name="Straight Arrow Connector 15"/>
-          <p:cNvCxnSpPr/>
-          <p:nvPr/>
-        </p:nvCxnSpPr>
-        <p:spPr>
-          <a:xfrm flipH="1">
-            <a:off x="7160979" y="924258"/>
-            <a:ext cx="2820482" cy="336274"/>
-          </a:xfrm>
-          <a:prstGeom prst="straightConnector1">
-            <a:avLst/>
-          </a:prstGeom>
-          <a:ln>
-            <a:solidFill>
-              <a:srgbClr val="FF40FF"/>
-            </a:solidFill>
-            <a:tailEnd type="triangle"/>
-          </a:ln>
-        </p:spPr>
-        <p:style>
-          <a:lnRef idx="1">
-            <a:schemeClr val="accent1"/>
-          </a:lnRef>
-          <a:fillRef idx="0">
-            <a:schemeClr val="accent1"/>
-          </a:fillRef>
-          <a:effectRef idx="0">
-            <a:schemeClr val="accent1"/>
-          </a:effectRef>
-          <a:fontRef idx="minor">
-            <a:schemeClr val="tx1"/>
-          </a:fontRef>
-        </p:style>
-      </p:cxnSp>
-      <p:cxnSp>
-        <p:nvCxnSpPr>
-          <p:cNvPr id="18" name="Straight Arrow Connector 17"/>
-          <p:cNvCxnSpPr>
-            <a:stCxn id="9" idx="1"/>
-          </p:cNvCxnSpPr>
-          <p:nvPr/>
-        </p:nvCxnSpPr>
-        <p:spPr>
-          <a:xfrm flipH="1" flipV="1">
-            <a:off x="7015397" y="1423174"/>
-            <a:ext cx="1418756" cy="72084"/>
-          </a:xfrm>
-          <a:prstGeom prst="straightConnector1">
-            <a:avLst/>
-          </a:prstGeom>
-          <a:ln>
-            <a:solidFill>
-              <a:srgbClr val="FF40FF"/>
-            </a:solidFill>
-            <a:tailEnd type="triangle"/>
-          </a:ln>
-        </p:spPr>
-        <p:style>
-          <a:lnRef idx="1">
-            <a:schemeClr val="accent1"/>
-          </a:lnRef>
-          <a:fillRef idx="0">
-            <a:schemeClr val="accent1"/>
-          </a:fillRef>
-          <a:effectRef idx="0">
-            <a:schemeClr val="accent1"/>
-          </a:effectRef>
-          <a:fontRef idx="minor">
-            <a:schemeClr val="tx1"/>
-          </a:fontRef>
-        </p:style>
-      </p:cxnSp>
-      <p:pic>
-        <p:nvPicPr>
-          <p:cNvPr id="21" name="Picture 20"/>
-          <p:cNvPicPr>
-            <a:picLocks noChangeAspect="1"/>
-          </p:cNvPicPr>
-          <p:nvPr/>
-        </p:nvPicPr>
-        <p:blipFill>
-          <a:blip r:embed="rId12"/>
-          <a:stretch>
-            <a:fillRect/>
-          </a:stretch>
-        </p:blipFill>
-        <p:spPr>
-          <a:xfrm>
-            <a:off x="8128000" y="2393289"/>
-            <a:ext cx="880273" cy="1293462"/>
-          </a:xfrm>
-          <a:prstGeom prst="rect">
-            <a:avLst/>
-          </a:prstGeom>
-        </p:spPr>
-      </p:pic>
-      <p:cxnSp>
-        <p:nvCxnSpPr>
-          <p:cNvPr id="24" name="Straight Arrow Connector 23"/>
-          <p:cNvCxnSpPr/>
-          <p:nvPr/>
-        </p:nvCxnSpPr>
-        <p:spPr>
-          <a:xfrm flipV="1">
-            <a:off x="9207807" y="2607733"/>
-            <a:ext cx="849296" cy="716109"/>
-          </a:xfrm>
-          <a:prstGeom prst="straightConnector1">
-            <a:avLst/>
-          </a:prstGeom>
-          <a:ln>
-            <a:solidFill>
-              <a:srgbClr val="FF40FF"/>
-            </a:solidFill>
-            <a:tailEnd type="triangle"/>
-          </a:ln>
-        </p:spPr>
-        <p:style>
-          <a:lnRef idx="1">
-            <a:schemeClr val="accent1"/>
-          </a:lnRef>
-          <a:fillRef idx="0">
-            <a:schemeClr val="accent1"/>
-          </a:fillRef>
-          <a:effectRef idx="0">
-            <a:schemeClr val="accent1"/>
-          </a:effectRef>
-          <a:fontRef idx="minor">
-            <a:schemeClr val="tx1"/>
-          </a:fontRef>
-        </p:style>
-      </p:cxnSp>
-      <p:cxnSp>
-        <p:nvCxnSpPr>
-          <p:cNvPr id="26" name="Straight Arrow Connector 25"/>
-          <p:cNvCxnSpPr/>
-          <p:nvPr/>
-        </p:nvCxnSpPr>
-        <p:spPr>
-          <a:xfrm>
-            <a:off x="9176243" y="3323840"/>
-            <a:ext cx="1429128" cy="0"/>
-          </a:xfrm>
-          <a:prstGeom prst="straightConnector1">
-            <a:avLst/>
-          </a:prstGeom>
-          <a:ln>
-            <a:solidFill>
-              <a:srgbClr val="FF40FF"/>
-            </a:solidFill>
-            <a:tailEnd type="triangle"/>
-          </a:ln>
-        </p:spPr>
-        <p:style>
-          <a:lnRef idx="1">
-            <a:schemeClr val="accent1"/>
-          </a:lnRef>
-          <a:fillRef idx="0">
-            <a:schemeClr val="accent1"/>
-          </a:fillRef>
-          <a:effectRef idx="0">
-            <a:schemeClr val="accent1"/>
-          </a:effectRef>
-          <a:fontRef idx="minor">
-            <a:schemeClr val="tx1"/>
-          </a:fontRef>
-        </p:style>
-      </p:cxnSp>
-      <p:cxnSp>
-        <p:nvCxnSpPr>
-          <p:cNvPr id="28" name="Straight Arrow Connector 27"/>
-          <p:cNvCxnSpPr/>
-          <p:nvPr/>
-        </p:nvCxnSpPr>
-        <p:spPr>
-          <a:xfrm>
-            <a:off x="9187855" y="3323840"/>
-            <a:ext cx="741188" cy="355932"/>
-          </a:xfrm>
-          <a:prstGeom prst="straightConnector1">
-            <a:avLst/>
-          </a:prstGeom>
-          <a:ln>
-            <a:solidFill>
-              <a:srgbClr val="FF40FF"/>
-            </a:solidFill>
-            <a:tailEnd type="triangle"/>
-          </a:ln>
-        </p:spPr>
-        <p:style>
-          <a:lnRef idx="1">
-            <a:schemeClr val="accent1"/>
-          </a:lnRef>
-          <a:fillRef idx="0">
-            <a:schemeClr val="accent1"/>
-          </a:fillRef>
-          <a:effectRef idx="0">
-            <a:schemeClr val="accent1"/>
-          </a:effectRef>
-          <a:fontRef idx="minor">
-            <a:schemeClr val="tx1"/>
-          </a:fontRef>
-        </p:style>
-      </p:cxnSp>
-      <p:pic>
-        <p:nvPicPr>
-          <p:cNvPr id="29" name="Picture 28"/>
-          <p:cNvPicPr>
-            <a:picLocks noChangeAspect="1"/>
-          </p:cNvPicPr>
-          <p:nvPr/>
-        </p:nvPicPr>
-        <p:blipFill>
-          <a:blip r:embed="rId13"/>
-          <a:stretch>
-            <a:fillRect/>
-          </a:stretch>
-        </p:blipFill>
-        <p:spPr>
-          <a:xfrm>
-            <a:off x="10207641" y="1983058"/>
-            <a:ext cx="791633" cy="923572"/>
-          </a:xfrm>
-          <a:prstGeom prst="rect">
-            <a:avLst/>
-          </a:prstGeom>
-        </p:spPr>
-      </p:pic>
-      <p:pic>
-        <p:nvPicPr>
-          <p:cNvPr id="31" name="Picture 30"/>
-          <p:cNvPicPr>
-            <a:picLocks noChangeAspect="1"/>
-          </p:cNvPicPr>
-          <p:nvPr/>
-        </p:nvPicPr>
-        <p:blipFill>
-          <a:blip r:embed="rId14"/>
-          <a:stretch>
-            <a:fillRect/>
-          </a:stretch>
-        </p:blipFill>
-        <p:spPr>
-          <a:xfrm>
-            <a:off x="10755909" y="2804097"/>
-            <a:ext cx="868199" cy="948588"/>
-          </a:xfrm>
-          <a:prstGeom prst="rect">
-            <a:avLst/>
-          </a:prstGeom>
-        </p:spPr>
-      </p:pic>
+          </p:spPr>
+        </p:pic>
+        <p:pic>
+          <p:nvPicPr>
+            <p:cNvPr id="1028" name="Picture 4" descr="elated image"/>
+            <p:cNvPicPr>
+              <a:picLocks noChangeAspect="1" noChangeArrowheads="1"/>
+            </p:cNvPicPr>
+            <p:nvPr/>
+          </p:nvPicPr>
+          <p:blipFill>
+            <a:blip r:embed="rId8">
+              <a:extLst>
+                <a:ext uri="{28A0092B-C50C-407E-A947-70E740481C1C}">
+                  <a14:useLocalDpi xmlns:a14="http://schemas.microsoft.com/office/drawing/2010/main" val="0"/>
+                </a:ext>
+              </a:extLst>
+            </a:blip>
+            <a:srcRect/>
+            <a:stretch>
+              <a:fillRect/>
+            </a:stretch>
+          </p:blipFill>
+          <p:spPr bwMode="auto">
+            <a:xfrm>
+              <a:off x="5688206" y="2275507"/>
+              <a:ext cx="2260212" cy="1737360"/>
+            </a:xfrm>
+            <a:prstGeom prst="rect">
+              <a:avLst/>
+            </a:prstGeom>
+            <a:noFill/>
+            <a:extLst>
+              <a:ext uri="{909E8E84-426E-40DD-AFC4-6F175D3DCCD1}">
+                <a14:hiddenFill xmlns:a14="http://schemas.microsoft.com/office/drawing/2010/main">
+                  <a:solidFill>
+                    <a:srgbClr val="FFFFFF"/>
+                  </a:solidFill>
+                </a14:hiddenFill>
+              </a:ext>
+            </a:extLst>
+          </p:spPr>
+        </p:pic>
+        <p:pic>
+          <p:nvPicPr>
+            <p:cNvPr id="7" name="Picture 6"/>
+            <p:cNvPicPr>
+              <a:picLocks noChangeAspect="1"/>
+            </p:cNvPicPr>
+            <p:nvPr/>
+          </p:nvPicPr>
+          <p:blipFill>
+            <a:blip r:embed="rId9"/>
+            <a:stretch>
+              <a:fillRect/>
+            </a:stretch>
+          </p:blipFill>
+          <p:spPr>
+            <a:xfrm>
+              <a:off x="10045491" y="387495"/>
+              <a:ext cx="1115934" cy="749508"/>
+            </a:xfrm>
+            <a:prstGeom prst="rect">
+              <a:avLst/>
+            </a:prstGeom>
+          </p:spPr>
+        </p:pic>
+        <p:pic>
+          <p:nvPicPr>
+            <p:cNvPr id="8" name="Picture 7"/>
+            <p:cNvPicPr>
+              <a:picLocks noChangeAspect="1"/>
+            </p:cNvPicPr>
+            <p:nvPr/>
+          </p:nvPicPr>
+          <p:blipFill>
+            <a:blip r:embed="rId10"/>
+            <a:stretch>
+              <a:fillRect/>
+            </a:stretch>
+          </p:blipFill>
+          <p:spPr>
+            <a:xfrm>
+              <a:off x="8434153" y="140321"/>
+              <a:ext cx="1305185" cy="589066"/>
+            </a:xfrm>
+            <a:prstGeom prst="rect">
+              <a:avLst/>
+            </a:prstGeom>
+          </p:spPr>
+        </p:pic>
+        <p:pic>
+          <p:nvPicPr>
+            <p:cNvPr id="9" name="Picture 8"/>
+            <p:cNvPicPr>
+              <a:picLocks noChangeAspect="1"/>
+            </p:cNvPicPr>
+            <p:nvPr/>
+          </p:nvPicPr>
+          <p:blipFill>
+            <a:blip r:embed="rId11"/>
+            <a:stretch>
+              <a:fillRect/>
+            </a:stretch>
+          </p:blipFill>
+          <p:spPr>
+            <a:xfrm>
+              <a:off x="8434153" y="1137003"/>
+              <a:ext cx="1547308" cy="716509"/>
+            </a:xfrm>
+            <a:prstGeom prst="rect">
+              <a:avLst/>
+            </a:prstGeom>
+          </p:spPr>
+        </p:pic>
+        <p:cxnSp>
+          <p:nvCxnSpPr>
+            <p:cNvPr id="13" name="Straight Arrow Connector 12"/>
+            <p:cNvCxnSpPr>
+              <a:stCxn id="8" idx="1"/>
+            </p:cNvCxnSpPr>
+            <p:nvPr/>
+          </p:nvCxnSpPr>
+          <p:spPr>
+            <a:xfrm flipH="1">
+              <a:off x="7150308" y="434854"/>
+              <a:ext cx="1283845" cy="539507"/>
+            </a:xfrm>
+            <a:prstGeom prst="straightConnector1">
+              <a:avLst/>
+            </a:prstGeom>
+            <a:ln>
+              <a:solidFill>
+                <a:srgbClr val="FF40FF"/>
+              </a:solidFill>
+              <a:tailEnd type="triangle"/>
+            </a:ln>
+          </p:spPr>
+          <p:style>
+            <a:lnRef idx="1">
+              <a:schemeClr val="accent1"/>
+            </a:lnRef>
+            <a:fillRef idx="0">
+              <a:schemeClr val="accent1"/>
+            </a:fillRef>
+            <a:effectRef idx="0">
+              <a:schemeClr val="accent1"/>
+            </a:effectRef>
+            <a:fontRef idx="minor">
+              <a:schemeClr val="tx1"/>
+            </a:fontRef>
+          </p:style>
+        </p:cxnSp>
+        <p:cxnSp>
+          <p:nvCxnSpPr>
+            <p:cNvPr id="16" name="Straight Arrow Connector 15"/>
+            <p:cNvCxnSpPr/>
+            <p:nvPr/>
+          </p:nvCxnSpPr>
+          <p:spPr>
+            <a:xfrm flipH="1">
+              <a:off x="7160979" y="924258"/>
+              <a:ext cx="2820482" cy="336274"/>
+            </a:xfrm>
+            <a:prstGeom prst="straightConnector1">
+              <a:avLst/>
+            </a:prstGeom>
+            <a:ln>
+              <a:solidFill>
+                <a:srgbClr val="FF40FF"/>
+              </a:solidFill>
+              <a:tailEnd type="triangle"/>
+            </a:ln>
+          </p:spPr>
+          <p:style>
+            <a:lnRef idx="1">
+              <a:schemeClr val="accent1"/>
+            </a:lnRef>
+            <a:fillRef idx="0">
+              <a:schemeClr val="accent1"/>
+            </a:fillRef>
+            <a:effectRef idx="0">
+              <a:schemeClr val="accent1"/>
+            </a:effectRef>
+            <a:fontRef idx="minor">
+              <a:schemeClr val="tx1"/>
+            </a:fontRef>
+          </p:style>
+        </p:cxnSp>
+        <p:cxnSp>
+          <p:nvCxnSpPr>
+            <p:cNvPr id="18" name="Straight Arrow Connector 17"/>
+            <p:cNvCxnSpPr>
+              <a:stCxn id="9" idx="1"/>
+            </p:cNvCxnSpPr>
+            <p:nvPr/>
+          </p:nvCxnSpPr>
+          <p:spPr>
+            <a:xfrm flipH="1" flipV="1">
+              <a:off x="7015397" y="1423174"/>
+              <a:ext cx="1418756" cy="72084"/>
+            </a:xfrm>
+            <a:prstGeom prst="straightConnector1">
+              <a:avLst/>
+            </a:prstGeom>
+            <a:ln>
+              <a:solidFill>
+                <a:srgbClr val="FF40FF"/>
+              </a:solidFill>
+              <a:tailEnd type="triangle"/>
+            </a:ln>
+          </p:spPr>
+          <p:style>
+            <a:lnRef idx="1">
+              <a:schemeClr val="accent1"/>
+            </a:lnRef>
+            <a:fillRef idx="0">
+              <a:schemeClr val="accent1"/>
+            </a:fillRef>
+            <a:effectRef idx="0">
+              <a:schemeClr val="accent1"/>
+            </a:effectRef>
+            <a:fontRef idx="minor">
+              <a:schemeClr val="tx1"/>
+            </a:fontRef>
+          </p:style>
+        </p:cxnSp>
+        <p:pic>
+          <p:nvPicPr>
+            <p:cNvPr id="21" name="Picture 20"/>
+            <p:cNvPicPr>
+              <a:picLocks noChangeAspect="1"/>
+            </p:cNvPicPr>
+            <p:nvPr/>
+          </p:nvPicPr>
+          <p:blipFill>
+            <a:blip r:embed="rId12"/>
+            <a:stretch>
+              <a:fillRect/>
+            </a:stretch>
+          </p:blipFill>
+          <p:spPr>
+            <a:xfrm>
+              <a:off x="5494645" y="4560059"/>
+              <a:ext cx="880273" cy="1293462"/>
+            </a:xfrm>
+            <a:prstGeom prst="rect">
+              <a:avLst/>
+            </a:prstGeom>
+          </p:spPr>
+        </p:pic>
+        <p:cxnSp>
+          <p:nvCxnSpPr>
+            <p:cNvPr id="24" name="Straight Arrow Connector 23"/>
+            <p:cNvCxnSpPr/>
+            <p:nvPr/>
+          </p:nvCxnSpPr>
+          <p:spPr>
+            <a:xfrm flipV="1">
+              <a:off x="6549954" y="4774504"/>
+              <a:ext cx="873794" cy="716105"/>
+            </a:xfrm>
+            <a:prstGeom prst="straightConnector1">
+              <a:avLst/>
+            </a:prstGeom>
+            <a:ln>
+              <a:solidFill>
+                <a:srgbClr val="FF40FF"/>
+              </a:solidFill>
+              <a:tailEnd type="triangle"/>
+            </a:ln>
+          </p:spPr>
+          <p:style>
+            <a:lnRef idx="1">
+              <a:schemeClr val="accent1"/>
+            </a:lnRef>
+            <a:fillRef idx="0">
+              <a:schemeClr val="accent1"/>
+            </a:fillRef>
+            <a:effectRef idx="0">
+              <a:schemeClr val="accent1"/>
+            </a:effectRef>
+            <a:fontRef idx="minor">
+              <a:schemeClr val="tx1"/>
+            </a:fontRef>
+          </p:style>
+        </p:cxnSp>
+        <p:cxnSp>
+          <p:nvCxnSpPr>
+            <p:cNvPr id="26" name="Straight Arrow Connector 25"/>
+            <p:cNvCxnSpPr/>
+            <p:nvPr/>
+          </p:nvCxnSpPr>
+          <p:spPr>
+            <a:xfrm>
+              <a:off x="6542888" y="5490610"/>
+              <a:ext cx="1429128" cy="0"/>
+            </a:xfrm>
+            <a:prstGeom prst="straightConnector1">
+              <a:avLst/>
+            </a:prstGeom>
+            <a:ln>
+              <a:solidFill>
+                <a:srgbClr val="FF40FF"/>
+              </a:solidFill>
+              <a:tailEnd type="triangle"/>
+            </a:ln>
+          </p:spPr>
+          <p:style>
+            <a:lnRef idx="1">
+              <a:schemeClr val="accent1"/>
+            </a:lnRef>
+            <a:fillRef idx="0">
+              <a:schemeClr val="accent1"/>
+            </a:fillRef>
+            <a:effectRef idx="0">
+              <a:schemeClr val="accent1"/>
+            </a:effectRef>
+            <a:fontRef idx="minor">
+              <a:schemeClr val="tx1"/>
+            </a:fontRef>
+          </p:style>
+        </p:cxnSp>
+        <p:cxnSp>
+          <p:nvCxnSpPr>
+            <p:cNvPr id="28" name="Straight Arrow Connector 27"/>
+            <p:cNvCxnSpPr/>
+            <p:nvPr/>
+          </p:nvCxnSpPr>
+          <p:spPr>
+            <a:xfrm>
+              <a:off x="6554500" y="5490610"/>
+              <a:ext cx="900812" cy="754223"/>
+            </a:xfrm>
+            <a:prstGeom prst="straightConnector1">
+              <a:avLst/>
+            </a:prstGeom>
+            <a:ln>
+              <a:solidFill>
+                <a:srgbClr val="FF40FF"/>
+              </a:solidFill>
+              <a:tailEnd type="triangle"/>
+            </a:ln>
+          </p:spPr>
+          <p:style>
+            <a:lnRef idx="1">
+              <a:schemeClr val="accent1"/>
+            </a:lnRef>
+            <a:fillRef idx="0">
+              <a:schemeClr val="accent1"/>
+            </a:fillRef>
+            <a:effectRef idx="0">
+              <a:schemeClr val="accent1"/>
+            </a:effectRef>
+            <a:fontRef idx="minor">
+              <a:schemeClr val="tx1"/>
+            </a:fontRef>
+          </p:style>
+        </p:cxnSp>
+        <p:pic>
+          <p:nvPicPr>
+            <p:cNvPr id="29" name="Picture 28"/>
+            <p:cNvPicPr>
+              <a:picLocks noChangeAspect="1"/>
+            </p:cNvPicPr>
+            <p:nvPr/>
+          </p:nvPicPr>
+          <p:blipFill>
+            <a:blip r:embed="rId13"/>
+            <a:stretch>
+              <a:fillRect/>
+            </a:stretch>
+          </p:blipFill>
+          <p:spPr>
+            <a:xfrm>
+              <a:off x="7574286" y="4149828"/>
+              <a:ext cx="791633" cy="923572"/>
+            </a:xfrm>
+            <a:prstGeom prst="rect">
+              <a:avLst/>
+            </a:prstGeom>
+          </p:spPr>
+        </p:pic>
+        <p:pic>
+          <p:nvPicPr>
+            <p:cNvPr id="31" name="Picture 30"/>
+            <p:cNvPicPr>
+              <a:picLocks noChangeAspect="1"/>
+            </p:cNvPicPr>
+            <p:nvPr/>
+          </p:nvPicPr>
+          <p:blipFill>
+            <a:blip r:embed="rId14"/>
+            <a:stretch>
+              <a:fillRect/>
+            </a:stretch>
+          </p:blipFill>
+          <p:spPr>
+            <a:xfrm>
+              <a:off x="8122554" y="4970867"/>
+              <a:ext cx="868199" cy="948588"/>
+            </a:xfrm>
+            <a:prstGeom prst="rect">
+              <a:avLst/>
+            </a:prstGeom>
+          </p:spPr>
+        </p:pic>
+        <p:pic>
+          <p:nvPicPr>
+            <p:cNvPr id="34" name="Picture 33"/>
+            <p:cNvPicPr>
+              <a:picLocks noChangeAspect="1"/>
+            </p:cNvPicPr>
+            <p:nvPr/>
+          </p:nvPicPr>
+          <p:blipFill>
+            <a:blip r:embed="rId15"/>
+            <a:stretch>
+              <a:fillRect/>
+            </a:stretch>
+          </p:blipFill>
+          <p:spPr>
+            <a:xfrm>
+              <a:off x="7516580" y="5945937"/>
+              <a:ext cx="544706" cy="686330"/>
+            </a:xfrm>
+            <a:prstGeom prst="rect">
+              <a:avLst/>
+            </a:prstGeom>
+          </p:spPr>
+        </p:pic>
+        <p:pic>
+          <p:nvPicPr>
+            <p:cNvPr id="1032" name="Picture 8" descr="mage result for mouse clipart"/>
+            <p:cNvPicPr>
+              <a:picLocks noChangeAspect="1" noChangeArrowheads="1"/>
+            </p:cNvPicPr>
+            <p:nvPr/>
+          </p:nvPicPr>
+          <p:blipFill>
+            <a:blip r:embed="rId16">
+              <a:extLst>
+                <a:ext uri="{28A0092B-C50C-407E-A947-70E740481C1C}">
+                  <a14:useLocalDpi xmlns:a14="http://schemas.microsoft.com/office/drawing/2010/main" val="0"/>
+                </a:ext>
+              </a:extLst>
+            </a:blip>
+            <a:srcRect/>
+            <a:stretch>
+              <a:fillRect/>
+            </a:stretch>
+          </p:blipFill>
+          <p:spPr bwMode="auto">
+            <a:xfrm>
+              <a:off x="5538400" y="6569628"/>
+              <a:ext cx="1298364" cy="1280160"/>
+            </a:xfrm>
+            <a:prstGeom prst="rect">
+              <a:avLst/>
+            </a:prstGeom>
+            <a:noFill/>
+            <a:extLst>
+              <a:ext uri="{909E8E84-426E-40DD-AFC4-6F175D3DCCD1}">
+                <a14:hiddenFill xmlns:a14="http://schemas.microsoft.com/office/drawing/2010/main">
+                  <a:solidFill>
+                    <a:srgbClr val="FFFFFF"/>
+                  </a:solidFill>
+                </a14:hiddenFill>
+              </a:ext>
+            </a:extLst>
+          </p:spPr>
+        </p:pic>
+        <p:pic>
+          <p:nvPicPr>
+            <p:cNvPr id="1034" name="Picture 10" descr="mage result for human clipart"/>
+            <p:cNvPicPr>
+              <a:picLocks noChangeAspect="1" noChangeArrowheads="1"/>
+            </p:cNvPicPr>
+            <p:nvPr/>
+          </p:nvPicPr>
+          <p:blipFill>
+            <a:blip r:embed="rId17">
+              <a:extLst>
+                <a:ext uri="{28A0092B-C50C-407E-A947-70E740481C1C}">
+                  <a14:useLocalDpi xmlns:a14="http://schemas.microsoft.com/office/drawing/2010/main" val="0"/>
+                </a:ext>
+              </a:extLst>
+            </a:blip>
+            <a:srcRect/>
+            <a:stretch>
+              <a:fillRect/>
+            </a:stretch>
+          </p:blipFill>
+          <p:spPr bwMode="auto">
+            <a:xfrm>
+              <a:off x="7022842" y="6550111"/>
+              <a:ext cx="507038" cy="1371600"/>
+            </a:xfrm>
+            <a:prstGeom prst="rect">
+              <a:avLst/>
+            </a:prstGeom>
+            <a:noFill/>
+            <a:extLst>
+              <a:ext uri="{909E8E84-426E-40DD-AFC4-6F175D3DCCD1}">
+                <a14:hiddenFill xmlns:a14="http://schemas.microsoft.com/office/drawing/2010/main">
+                  <a:solidFill>
+                    <a:srgbClr val="FFFFFF"/>
+                  </a:solidFill>
+                </a14:hiddenFill>
+              </a:ext>
+            </a:extLst>
+          </p:spPr>
+        </p:pic>
+      </p:grpSp>
     </p:spTree>
     <p:extLst>
       <p:ext uri="{BB962C8B-B14F-4D97-AF65-F5344CB8AC3E}">
